--- a/Dokumenty/Prezentace - Sprint 1 WEEBS.pptx
+++ b/Dokumenty/Prezentace - Sprint 1 WEEBS.pptx
@@ -14,9 +14,10 @@
     <p:sldId id="263" r:id="rId8"/>
     <p:sldId id="264" r:id="rId9"/>
     <p:sldId id="265" r:id="rId10"/>
-    <p:sldId id="267" r:id="rId11"/>
-    <p:sldId id="268" r:id="rId12"/>
-    <p:sldId id="266" r:id="rId13"/>
+    <p:sldId id="269" r:id="rId11"/>
+    <p:sldId id="267" r:id="rId12"/>
+    <p:sldId id="268" r:id="rId13"/>
+    <p:sldId id="266" r:id="rId14"/>
   </p:sldIdLst>
   <p:sldSz cx="12192000" cy="6858000"/>
   <p:notesSz cx="6858000" cy="9144000"/>
@@ -3425,7 +3426,7 @@
                 </a:solidFill>
                 <a:latin typeface="Calisto MT" panose="02040603050505030304" pitchFamily="18" charset="0"/>
               </a:rPr>
-              <a:t>xRSP – SPRINT 1 </a:t>
+              <a:t>RSP – SPRINT 1 </a:t>
             </a:r>
             <a:endParaRPr lang="ru-RU" sz="3200" dirty="0">
               <a:solidFill>
@@ -3573,6 +3574,225 @@
 </file>
 
 <file path=ppt/slides/slide10.xml><?xml version="1.0" encoding="utf-8"?>
+<p:sld xmlns:a="http://schemas.openxmlformats.org/drawingml/2006/main" xmlns:r="http://schemas.openxmlformats.org/officeDocument/2006/relationships" xmlns:p="http://schemas.openxmlformats.org/presentationml/2006/main">
+  <p:cSld>
+    <p:bg>
+      <p:bgPr>
+        <a:solidFill>
+          <a:schemeClr val="bg1"/>
+        </a:solidFill>
+        <a:effectLst/>
+      </p:bgPr>
+    </p:bg>
+    <p:spTree>
+      <p:nvGrpSpPr>
+        <p:cNvPr id="1" name=""/>
+        <p:cNvGrpSpPr/>
+        <p:nvPr/>
+      </p:nvGrpSpPr>
+      <p:grpSpPr>
+        <a:xfrm>
+          <a:off x="0" y="0"/>
+          <a:ext cx="0" cy="0"/>
+          <a:chOff x="0" y="0"/>
+          <a:chExt cx="0" cy="0"/>
+        </a:xfrm>
+      </p:grpSpPr>
+      <p:sp>
+        <p:nvSpPr>
+          <p:cNvPr id="2" name="Заголовок 1">
+            <a:extLst>
+              <a:ext uri="{FF2B5EF4-FFF2-40B4-BE49-F238E27FC236}">
+                <a16:creationId xmlns:a16="http://schemas.microsoft.com/office/drawing/2014/main" id="{D65AC770-6872-425B-BECE-4895F89093D3}"/>
+              </a:ext>
+            </a:extLst>
+          </p:cNvPr>
+          <p:cNvSpPr>
+            <a:spLocks noGrp="1"/>
+          </p:cNvSpPr>
+          <p:nvPr>
+            <p:ph type="title"/>
+          </p:nvPr>
+        </p:nvSpPr>
+        <p:spPr/>
+        <p:txBody>
+          <a:bodyPr/>
+          <a:lstStyle/>
+          <a:p>
+            <a:r>
+              <a:rPr lang="en-US" b="1" dirty="0">
+                <a:solidFill>
+                  <a:srgbClr val="4F7D82"/>
+                </a:solidFill>
+                <a:latin typeface="Calisto MT" panose="02040603050505030304" pitchFamily="18" charset="0"/>
+              </a:rPr>
+              <a:t>Design</a:t>
+            </a:r>
+            <a:endParaRPr lang="ru-RU" b="1" dirty="0">
+              <a:solidFill>
+                <a:srgbClr val="4F7D82"/>
+              </a:solidFill>
+            </a:endParaRPr>
+          </a:p>
+        </p:txBody>
+      </p:sp>
+      <p:pic>
+        <p:nvPicPr>
+          <p:cNvPr id="5" name="Объект 4" descr="Изображение выглядит как растение, цепь, еда&#10;&#10;Автоматически созданное описание">
+            <a:extLst>
+              <a:ext uri="{FF2B5EF4-FFF2-40B4-BE49-F238E27FC236}">
+                <a16:creationId xmlns:a16="http://schemas.microsoft.com/office/drawing/2014/main" id="{1D01C79B-7FC1-422F-8DE8-6E30864CEF73}"/>
+              </a:ext>
+            </a:extLst>
+          </p:cNvPr>
+          <p:cNvPicPr>
+            <a:picLocks noGrp="1" noChangeAspect="1"/>
+          </p:cNvPicPr>
+          <p:nvPr>
+            <p:ph idx="1"/>
+          </p:nvPr>
+        </p:nvPicPr>
+        <p:blipFill>
+          <a:blip r:embed="rId2">
+            <a:extLst>
+              <a:ext uri="{28A0092B-C50C-407E-A947-70E740481C1C}">
+                <a14:useLocalDpi xmlns:a14="http://schemas.microsoft.com/office/drawing/2010/main" val="0"/>
+              </a:ext>
+            </a:extLst>
+          </a:blip>
+          <a:stretch>
+            <a:fillRect/>
+          </a:stretch>
+        </p:blipFill>
+        <p:spPr>
+          <a:xfrm>
+            <a:off x="4897927" y="347044"/>
+            <a:ext cx="7017763" cy="3378923"/>
+          </a:xfrm>
+        </p:spPr>
+      </p:pic>
+      <p:pic>
+        <p:nvPicPr>
+          <p:cNvPr id="13" name="Рисунок 12" descr="Изображение выглядит как текст, фотография, готовый, белый&#10;&#10;Автоматически созданное описание">
+            <a:extLst>
+              <a:ext uri="{FF2B5EF4-FFF2-40B4-BE49-F238E27FC236}">
+                <a16:creationId xmlns:a16="http://schemas.microsoft.com/office/drawing/2014/main" id="{C9D3CAF9-B0F4-46C3-94EE-7AD9F07632D1}"/>
+              </a:ext>
+            </a:extLst>
+          </p:cNvPr>
+          <p:cNvPicPr>
+            <a:picLocks noChangeAspect="1"/>
+          </p:cNvPicPr>
+          <p:nvPr/>
+        </p:nvPicPr>
+        <p:blipFill>
+          <a:blip r:embed="rId3">
+            <a:extLst>
+              <a:ext uri="{28A0092B-C50C-407E-A947-70E740481C1C}">
+                <a14:useLocalDpi xmlns:a14="http://schemas.microsoft.com/office/drawing/2010/main" val="0"/>
+              </a:ext>
+            </a:extLst>
+          </a:blip>
+          <a:stretch>
+            <a:fillRect/>
+          </a:stretch>
+        </p:blipFill>
+        <p:spPr>
+          <a:xfrm>
+            <a:off x="180613" y="2124941"/>
+            <a:ext cx="4437107" cy="2773192"/>
+          </a:xfrm>
+          <a:prstGeom prst="rect">
+            <a:avLst/>
+          </a:prstGeom>
+        </p:spPr>
+      </p:pic>
+      <p:pic>
+        <p:nvPicPr>
+          <p:cNvPr id="15" name="Рисунок 14" descr="Изображение выглядит как снимок экрана, рисунок&#10;&#10;Автоматически созданное описание">
+            <a:extLst>
+              <a:ext uri="{FF2B5EF4-FFF2-40B4-BE49-F238E27FC236}">
+                <a16:creationId xmlns:a16="http://schemas.microsoft.com/office/drawing/2014/main" id="{99F12D10-5688-4C17-9D97-63E092701EE6}"/>
+              </a:ext>
+            </a:extLst>
+          </p:cNvPr>
+          <p:cNvPicPr>
+            <a:picLocks noChangeAspect="1"/>
+          </p:cNvPicPr>
+          <p:nvPr/>
+        </p:nvPicPr>
+        <p:blipFill>
+          <a:blip r:embed="rId4">
+            <a:extLst>
+              <a:ext uri="{28A0092B-C50C-407E-A947-70E740481C1C}">
+                <a14:useLocalDpi xmlns:a14="http://schemas.microsoft.com/office/drawing/2010/main" val="0"/>
+              </a:ext>
+            </a:extLst>
+          </a:blip>
+          <a:stretch>
+            <a:fillRect/>
+          </a:stretch>
+        </p:blipFill>
+        <p:spPr>
+          <a:xfrm>
+            <a:off x="4336851" y="3996584"/>
+            <a:ext cx="4410909" cy="2127900"/>
+          </a:xfrm>
+          <a:prstGeom prst="rect">
+            <a:avLst/>
+          </a:prstGeom>
+        </p:spPr>
+      </p:pic>
+      <p:pic>
+        <p:nvPicPr>
+          <p:cNvPr id="17" name="Рисунок 16" descr="Изображение выглядит как сидит, знак, мужчина, держит&#10;&#10;Автоматически созданное описание">
+            <a:extLst>
+              <a:ext uri="{FF2B5EF4-FFF2-40B4-BE49-F238E27FC236}">
+                <a16:creationId xmlns:a16="http://schemas.microsoft.com/office/drawing/2014/main" id="{34175DB6-5B4E-469B-BE92-803363E29A8D}"/>
+              </a:ext>
+            </a:extLst>
+          </p:cNvPr>
+          <p:cNvPicPr>
+            <a:picLocks noChangeAspect="1"/>
+          </p:cNvPicPr>
+          <p:nvPr/>
+        </p:nvPicPr>
+        <p:blipFill>
+          <a:blip r:embed="rId5">
+            <a:extLst>
+              <a:ext uri="{28A0092B-C50C-407E-A947-70E740481C1C}">
+                <a14:useLocalDpi xmlns:a14="http://schemas.microsoft.com/office/drawing/2010/main" val="0"/>
+              </a:ext>
+            </a:extLst>
+          </a:blip>
+          <a:stretch>
+            <a:fillRect/>
+          </a:stretch>
+        </p:blipFill>
+        <p:spPr>
+          <a:xfrm>
+            <a:off x="7600478" y="4601615"/>
+            <a:ext cx="4410909" cy="2123771"/>
+          </a:xfrm>
+          <a:prstGeom prst="rect">
+            <a:avLst/>
+          </a:prstGeom>
+        </p:spPr>
+      </p:pic>
+    </p:spTree>
+    <p:extLst>
+      <p:ext uri="{BB962C8B-B14F-4D97-AF65-F5344CB8AC3E}">
+        <p14:creationId xmlns:p14="http://schemas.microsoft.com/office/powerpoint/2010/main" val="2397142543"/>
+      </p:ext>
+    </p:extLst>
+  </p:cSld>
+  <p:clrMapOvr>
+    <a:masterClrMapping/>
+  </p:clrMapOvr>
+</p:sld>
+</file>
+
+<file path=ppt/slides/slide11.xml><?xml version="1.0" encoding="utf-8"?>
 <p:sld xmlns:a="http://schemas.openxmlformats.org/drawingml/2006/main" xmlns:r="http://schemas.openxmlformats.org/officeDocument/2006/relationships" xmlns:p="http://schemas.openxmlformats.org/presentationml/2006/main">
   <p:cSld>
     <p:spTree>
@@ -3749,7 +3969,7 @@
 </p:sld>
 </file>
 
-<file path=ppt/slides/slide11.xml><?xml version="1.0" encoding="utf-8"?>
+<file path=ppt/slides/slide12.xml><?xml version="1.0" encoding="utf-8"?>
 <p:sld xmlns:a="http://schemas.openxmlformats.org/drawingml/2006/main" xmlns:r="http://schemas.openxmlformats.org/officeDocument/2006/relationships" xmlns:p="http://schemas.openxmlformats.org/presentationml/2006/main">
   <p:cSld>
     <p:spTree>
@@ -3932,7 +4152,7 @@
 </p:sld>
 </file>
 
-<file path=ppt/slides/slide12.xml><?xml version="1.0" encoding="utf-8"?>
+<file path=ppt/slides/slide13.xml><?xml version="1.0" encoding="utf-8"?>
 <p:sld xmlns:a="http://schemas.openxmlformats.org/drawingml/2006/main" xmlns:r="http://schemas.openxmlformats.org/officeDocument/2006/relationships" xmlns:p="http://schemas.openxmlformats.org/presentationml/2006/main">
   <p:cSld>
     <p:spTree>
@@ -5253,31 +5473,246 @@
           </a:p>
         </p:txBody>
       </p:sp>
-      <p:sp>
-        <p:nvSpPr>
-          <p:cNvPr id="3" name="Объект 2">
-            <a:extLst>
-              <a:ext uri="{FF2B5EF4-FFF2-40B4-BE49-F238E27FC236}">
-                <a16:creationId xmlns:a16="http://schemas.microsoft.com/office/drawing/2014/main" id="{0CB5F35A-4330-4EF0-B747-D0B5AC947E00}"/>
-              </a:ext>
-            </a:extLst>
-          </p:cNvPr>
-          <p:cNvSpPr>
-            <a:spLocks noGrp="1"/>
-          </p:cNvSpPr>
-          <p:nvPr>
-            <p:ph idx="1"/>
-          </p:nvPr>
-        </p:nvSpPr>
-        <p:spPr/>
-        <p:txBody>
-          <a:bodyPr/>
-          <a:lstStyle/>
-          <a:p>
-            <a:endParaRPr lang="ru-RU" dirty="0"/>
-          </a:p>
-        </p:txBody>
-      </p:sp>
+      <p:pic>
+        <p:nvPicPr>
+          <p:cNvPr id="4" name="Рисунок 3">
+            <a:extLst>
+              <a:ext uri="{FF2B5EF4-FFF2-40B4-BE49-F238E27FC236}">
+                <a16:creationId xmlns:a16="http://schemas.microsoft.com/office/drawing/2014/main" id="{3677085D-6CF3-4E4D-9095-D58BA945B6EF}"/>
+              </a:ext>
+            </a:extLst>
+          </p:cNvPr>
+          <p:cNvPicPr>
+            <a:picLocks noChangeAspect="1"/>
+          </p:cNvPicPr>
+          <p:nvPr/>
+        </p:nvPicPr>
+        <p:blipFill>
+          <a:blip r:embed="rId2"/>
+          <a:stretch>
+            <a:fillRect/>
+          </a:stretch>
+        </p:blipFill>
+        <p:spPr>
+          <a:xfrm>
+            <a:off x="309748" y="4991280"/>
+            <a:ext cx="2931902" cy="1787400"/>
+          </a:xfrm>
+          <a:prstGeom prst="rect">
+            <a:avLst/>
+          </a:prstGeom>
+        </p:spPr>
+      </p:pic>
+      <p:pic>
+        <p:nvPicPr>
+          <p:cNvPr id="5" name="Рисунок 4">
+            <a:extLst>
+              <a:ext uri="{FF2B5EF4-FFF2-40B4-BE49-F238E27FC236}">
+                <a16:creationId xmlns:a16="http://schemas.microsoft.com/office/drawing/2014/main" id="{D18D164D-5F0C-4BBF-8C3D-2BD2F873DD02}"/>
+              </a:ext>
+            </a:extLst>
+          </p:cNvPr>
+          <p:cNvPicPr>
+            <a:picLocks noChangeAspect="1"/>
+          </p:cNvPicPr>
+          <p:nvPr/>
+        </p:nvPicPr>
+        <p:blipFill>
+          <a:blip r:embed="rId3"/>
+          <a:stretch>
+            <a:fillRect/>
+          </a:stretch>
+        </p:blipFill>
+        <p:spPr>
+          <a:xfrm>
+            <a:off x="3399716" y="4991280"/>
+            <a:ext cx="2938966" cy="1787400"/>
+          </a:xfrm>
+          <a:prstGeom prst="rect">
+            <a:avLst/>
+          </a:prstGeom>
+        </p:spPr>
+      </p:pic>
+      <p:pic>
+        <p:nvPicPr>
+          <p:cNvPr id="6" name="Рисунок 5">
+            <a:extLst>
+              <a:ext uri="{FF2B5EF4-FFF2-40B4-BE49-F238E27FC236}">
+                <a16:creationId xmlns:a16="http://schemas.microsoft.com/office/drawing/2014/main" id="{7772193A-1690-4ADB-929D-A9D7E6488CAA}"/>
+              </a:ext>
+            </a:extLst>
+          </p:cNvPr>
+          <p:cNvPicPr>
+            <a:picLocks noChangeAspect="1"/>
+          </p:cNvPicPr>
+          <p:nvPr/>
+        </p:nvPicPr>
+        <p:blipFill>
+          <a:blip r:embed="rId4"/>
+          <a:stretch>
+            <a:fillRect/>
+          </a:stretch>
+        </p:blipFill>
+        <p:spPr>
+          <a:xfrm>
+            <a:off x="291585" y="3167037"/>
+            <a:ext cx="2950066" cy="1760064"/>
+          </a:xfrm>
+          <a:prstGeom prst="rect">
+            <a:avLst/>
+          </a:prstGeom>
+        </p:spPr>
+      </p:pic>
+      <p:pic>
+        <p:nvPicPr>
+          <p:cNvPr id="7" name="Рисунок 6">
+            <a:extLst>
+              <a:ext uri="{FF2B5EF4-FFF2-40B4-BE49-F238E27FC236}">
+                <a16:creationId xmlns:a16="http://schemas.microsoft.com/office/drawing/2014/main" id="{50130DD1-4DC6-4E3D-A8ED-31634C311F44}"/>
+              </a:ext>
+            </a:extLst>
+          </p:cNvPr>
+          <p:cNvPicPr>
+            <a:picLocks noChangeAspect="1"/>
+          </p:cNvPicPr>
+          <p:nvPr/>
+        </p:nvPicPr>
+        <p:blipFill>
+          <a:blip r:embed="rId5"/>
+          <a:stretch>
+            <a:fillRect/>
+          </a:stretch>
+        </p:blipFill>
+        <p:spPr>
+          <a:xfrm>
+            <a:off x="3399716" y="3139701"/>
+            <a:ext cx="2920359" cy="1787400"/>
+          </a:xfrm>
+          <a:prstGeom prst="rect">
+            <a:avLst/>
+          </a:prstGeom>
+        </p:spPr>
+      </p:pic>
+      <p:pic>
+        <p:nvPicPr>
+          <p:cNvPr id="8" name="Рисунок 7">
+            <a:extLst>
+              <a:ext uri="{FF2B5EF4-FFF2-40B4-BE49-F238E27FC236}">
+                <a16:creationId xmlns:a16="http://schemas.microsoft.com/office/drawing/2014/main" id="{3CE67163-CDA0-4A26-9A1B-E604554E5B52}"/>
+              </a:ext>
+            </a:extLst>
+          </p:cNvPr>
+          <p:cNvPicPr>
+            <a:picLocks noChangeAspect="1"/>
+          </p:cNvPicPr>
+          <p:nvPr/>
+        </p:nvPicPr>
+        <p:blipFill>
+          <a:blip r:embed="rId6"/>
+          <a:stretch>
+            <a:fillRect/>
+          </a:stretch>
+        </p:blipFill>
+        <p:spPr>
+          <a:xfrm>
+            <a:off x="6440293" y="3139701"/>
+            <a:ext cx="2869615" cy="1787400"/>
+          </a:xfrm>
+          <a:prstGeom prst="rect">
+            <a:avLst/>
+          </a:prstGeom>
+        </p:spPr>
+      </p:pic>
+      <p:pic>
+        <p:nvPicPr>
+          <p:cNvPr id="9" name="Рисунок 8">
+            <a:extLst>
+              <a:ext uri="{FF2B5EF4-FFF2-40B4-BE49-F238E27FC236}">
+                <a16:creationId xmlns:a16="http://schemas.microsoft.com/office/drawing/2014/main" id="{271A0BB0-B495-4E0A-92FB-865C74AA2EFF}"/>
+              </a:ext>
+            </a:extLst>
+          </p:cNvPr>
+          <p:cNvPicPr>
+            <a:picLocks noChangeAspect="1"/>
+          </p:cNvPicPr>
+          <p:nvPr/>
+        </p:nvPicPr>
+        <p:blipFill>
+          <a:blip r:embed="rId7"/>
+          <a:stretch>
+            <a:fillRect/>
+          </a:stretch>
+        </p:blipFill>
+        <p:spPr>
+          <a:xfrm>
+            <a:off x="291585" y="1304020"/>
+            <a:ext cx="2950065" cy="1809467"/>
+          </a:xfrm>
+          <a:prstGeom prst="rect">
+            <a:avLst/>
+          </a:prstGeom>
+        </p:spPr>
+      </p:pic>
+      <p:pic>
+        <p:nvPicPr>
+          <p:cNvPr id="10" name="Рисунок 9">
+            <a:extLst>
+              <a:ext uri="{FF2B5EF4-FFF2-40B4-BE49-F238E27FC236}">
+                <a16:creationId xmlns:a16="http://schemas.microsoft.com/office/drawing/2014/main" id="{78EBD34C-F97A-4206-B9BB-C6E80F6F8FB5}"/>
+              </a:ext>
+            </a:extLst>
+          </p:cNvPr>
+          <p:cNvPicPr>
+            <a:picLocks noChangeAspect="1"/>
+          </p:cNvPicPr>
+          <p:nvPr/>
+        </p:nvPicPr>
+        <p:blipFill>
+          <a:blip r:embed="rId8"/>
+          <a:stretch>
+            <a:fillRect/>
+          </a:stretch>
+        </p:blipFill>
+        <p:spPr>
+          <a:xfrm>
+            <a:off x="3399716" y="1307275"/>
+            <a:ext cx="2920359" cy="1761927"/>
+          </a:xfrm>
+          <a:prstGeom prst="rect">
+            <a:avLst/>
+          </a:prstGeom>
+        </p:spPr>
+      </p:pic>
+      <p:pic>
+        <p:nvPicPr>
+          <p:cNvPr id="11" name="Рисунок 10">
+            <a:extLst>
+              <a:ext uri="{FF2B5EF4-FFF2-40B4-BE49-F238E27FC236}">
+                <a16:creationId xmlns:a16="http://schemas.microsoft.com/office/drawing/2014/main" id="{F4AF7652-869B-41B6-BCA2-799D02556864}"/>
+              </a:ext>
+            </a:extLst>
+          </p:cNvPr>
+          <p:cNvPicPr>
+            <a:picLocks noChangeAspect="1"/>
+          </p:cNvPicPr>
+          <p:nvPr/>
+        </p:nvPicPr>
+        <p:blipFill>
+          <a:blip r:embed="rId9"/>
+          <a:stretch>
+            <a:fillRect/>
+          </a:stretch>
+        </p:blipFill>
+        <p:spPr>
+          <a:xfrm>
+            <a:off x="6440293" y="1302622"/>
+            <a:ext cx="2869615" cy="1766580"/>
+          </a:xfrm>
+          <a:prstGeom prst="rect">
+            <a:avLst/>
+          </a:prstGeom>
+        </p:spPr>
+      </p:pic>
     </p:spTree>
     <p:extLst>
       <p:ext uri="{BB962C8B-B14F-4D97-AF65-F5344CB8AC3E}">
